--- a/msgboard_界面.pptx
+++ b/msgboard_界面.pptx
@@ -263,7 +263,7 @@
           <a:p>
             <a:fld id="{2DD2F464-0C7D-40C4-8FAC-5B8CC5FF0BD0}" type="datetimeFigureOut">
               <a:rPr lang="zh-CN" altLang="en-US" smtClean="0"/>
-              <a:t>2019/2/21</a:t>
+              <a:t>2019/2/26</a:t>
             </a:fld>
             <a:endParaRPr lang="zh-CN" altLang="en-US"/>
           </a:p>
@@ -461,7 +461,7 @@
           <a:p>
             <a:fld id="{2DD2F464-0C7D-40C4-8FAC-5B8CC5FF0BD0}" type="datetimeFigureOut">
               <a:rPr lang="zh-CN" altLang="en-US" smtClean="0"/>
-              <a:t>2019/2/21</a:t>
+              <a:t>2019/2/26</a:t>
             </a:fld>
             <a:endParaRPr lang="zh-CN" altLang="en-US"/>
           </a:p>
@@ -669,7 +669,7 @@
           <a:p>
             <a:fld id="{2DD2F464-0C7D-40C4-8FAC-5B8CC5FF0BD0}" type="datetimeFigureOut">
               <a:rPr lang="zh-CN" altLang="en-US" smtClean="0"/>
-              <a:t>2019/2/21</a:t>
+              <a:t>2019/2/26</a:t>
             </a:fld>
             <a:endParaRPr lang="zh-CN" altLang="en-US"/>
           </a:p>
@@ -867,7 +867,7 @@
           <a:p>
             <a:fld id="{2DD2F464-0C7D-40C4-8FAC-5B8CC5FF0BD0}" type="datetimeFigureOut">
               <a:rPr lang="zh-CN" altLang="en-US" smtClean="0"/>
-              <a:t>2019/2/21</a:t>
+              <a:t>2019/2/26</a:t>
             </a:fld>
             <a:endParaRPr lang="zh-CN" altLang="en-US"/>
           </a:p>
@@ -1142,7 +1142,7 @@
           <a:p>
             <a:fld id="{2DD2F464-0C7D-40C4-8FAC-5B8CC5FF0BD0}" type="datetimeFigureOut">
               <a:rPr lang="zh-CN" altLang="en-US" smtClean="0"/>
-              <a:t>2019/2/21</a:t>
+              <a:t>2019/2/26</a:t>
             </a:fld>
             <a:endParaRPr lang="zh-CN" altLang="en-US"/>
           </a:p>
@@ -1407,7 +1407,7 @@
           <a:p>
             <a:fld id="{2DD2F464-0C7D-40C4-8FAC-5B8CC5FF0BD0}" type="datetimeFigureOut">
               <a:rPr lang="zh-CN" altLang="en-US" smtClean="0"/>
-              <a:t>2019/2/21</a:t>
+              <a:t>2019/2/26</a:t>
             </a:fld>
             <a:endParaRPr lang="zh-CN" altLang="en-US"/>
           </a:p>
@@ -1819,7 +1819,7 @@
           <a:p>
             <a:fld id="{2DD2F464-0C7D-40C4-8FAC-5B8CC5FF0BD0}" type="datetimeFigureOut">
               <a:rPr lang="zh-CN" altLang="en-US" smtClean="0"/>
-              <a:t>2019/2/21</a:t>
+              <a:t>2019/2/26</a:t>
             </a:fld>
             <a:endParaRPr lang="zh-CN" altLang="en-US"/>
           </a:p>
@@ -1960,7 +1960,7 @@
           <a:p>
             <a:fld id="{2DD2F464-0C7D-40C4-8FAC-5B8CC5FF0BD0}" type="datetimeFigureOut">
               <a:rPr lang="zh-CN" altLang="en-US" smtClean="0"/>
-              <a:t>2019/2/21</a:t>
+              <a:t>2019/2/26</a:t>
             </a:fld>
             <a:endParaRPr lang="zh-CN" altLang="en-US"/>
           </a:p>
@@ -2073,7 +2073,7 @@
           <a:p>
             <a:fld id="{2DD2F464-0C7D-40C4-8FAC-5B8CC5FF0BD0}" type="datetimeFigureOut">
               <a:rPr lang="zh-CN" altLang="en-US" smtClean="0"/>
-              <a:t>2019/2/21</a:t>
+              <a:t>2019/2/26</a:t>
             </a:fld>
             <a:endParaRPr lang="zh-CN" altLang="en-US"/>
           </a:p>
@@ -2384,7 +2384,7 @@
           <a:p>
             <a:fld id="{2DD2F464-0C7D-40C4-8FAC-5B8CC5FF0BD0}" type="datetimeFigureOut">
               <a:rPr lang="zh-CN" altLang="en-US" smtClean="0"/>
-              <a:t>2019/2/21</a:t>
+              <a:t>2019/2/26</a:t>
             </a:fld>
             <a:endParaRPr lang="zh-CN" altLang="en-US"/>
           </a:p>
@@ -2672,7 +2672,7 @@
           <a:p>
             <a:fld id="{2DD2F464-0C7D-40C4-8FAC-5B8CC5FF0BD0}" type="datetimeFigureOut">
               <a:rPr lang="zh-CN" altLang="en-US" smtClean="0"/>
-              <a:t>2019/2/21</a:t>
+              <a:t>2019/2/26</a:t>
             </a:fld>
             <a:endParaRPr lang="zh-CN" altLang="en-US"/>
           </a:p>
@@ -2913,7 +2913,7 @@
           <a:p>
             <a:fld id="{2DD2F464-0C7D-40C4-8FAC-5B8CC5FF0BD0}" type="datetimeFigureOut">
               <a:rPr lang="zh-CN" altLang="en-US" smtClean="0"/>
-              <a:t>2019/2/21</a:t>
+              <a:t>2019/2/26</a:t>
             </a:fld>
             <a:endParaRPr lang="zh-CN" altLang="en-US"/>
           </a:p>
@@ -4038,7 +4038,7 @@
         </p:nvSpPr>
         <p:spPr>
           <a:xfrm>
-            <a:off x="855618" y="2325187"/>
+            <a:off x="954950" y="1996985"/>
             <a:ext cx="914400" cy="418013"/>
           </a:xfrm>
           <a:prstGeom prst="rect">
@@ -4099,7 +4099,7 @@
         </p:nvSpPr>
         <p:spPr>
           <a:xfrm>
-            <a:off x="2024743" y="2390503"/>
+            <a:off x="1992631" y="2017393"/>
             <a:ext cx="1711234" cy="352697"/>
           </a:xfrm>
           <a:prstGeom prst="rect">
@@ -4635,6 +4635,67 @@
               <a:latin typeface="宋体" panose="02010600030101010101" pitchFamily="2" charset="-122"/>
               <a:ea typeface="宋体" panose="02010600030101010101" pitchFamily="2" charset="-122"/>
             </a:endParaRPr>
+          </a:p>
+        </p:txBody>
+      </p:sp>
+      <p:sp>
+        <p:nvSpPr>
+          <p:cNvPr id="14" name="矩形 13">
+            <a:extLst>
+              <a:ext uri="{FF2B5EF4-FFF2-40B4-BE49-F238E27FC236}">
+                <a16:creationId xmlns:a16="http://schemas.microsoft.com/office/drawing/2014/main" id="{9448BC5F-7830-41D2-AC96-24C5B22435DA}"/>
+              </a:ext>
+            </a:extLst>
+          </p:cNvPr>
+          <p:cNvSpPr/>
+          <p:nvPr/>
+        </p:nvSpPr>
+        <p:spPr>
+          <a:xfrm>
+            <a:off x="954950" y="2561955"/>
+            <a:ext cx="914400" cy="418013"/>
+          </a:xfrm>
+          <a:prstGeom prst="rect">
+            <a:avLst/>
+          </a:prstGeom>
+          <a:solidFill>
+            <a:schemeClr val="bg1"/>
+          </a:solidFill>
+          <a:ln>
+            <a:noFill/>
+          </a:ln>
+        </p:spPr>
+        <p:style>
+          <a:lnRef idx="2">
+            <a:schemeClr val="accent1">
+              <a:shade val="50000"/>
+            </a:schemeClr>
+          </a:lnRef>
+          <a:fillRef idx="1">
+            <a:schemeClr val="accent1"/>
+          </a:fillRef>
+          <a:effectRef idx="0">
+            <a:schemeClr val="accent1"/>
+          </a:effectRef>
+          <a:fontRef idx="minor">
+            <a:schemeClr val="lt1"/>
+          </a:fontRef>
+        </p:style>
+        <p:txBody>
+          <a:bodyPr rtlCol="0" anchor="ctr"/>
+          <a:lstStyle/>
+          <a:p>
+            <a:pPr algn="ctr"/>
+            <a:r>
+              <a:rPr lang="zh-CN" altLang="en-US" dirty="0">
+                <a:solidFill>
+                  <a:schemeClr val="tx1"/>
+                </a:solidFill>
+                <a:latin typeface="宋体" panose="02010600030101010101" pitchFamily="2" charset="-122"/>
+                <a:ea typeface="宋体" panose="02010600030101010101" pitchFamily="2" charset="-122"/>
+              </a:rPr>
+              <a:t>昵称</a:t>
+            </a:r>
           </a:p>
         </p:txBody>
       </p:sp>
@@ -5831,7 +5892,7 @@
         <p:spPr>
           <a:xfrm>
             <a:off x="6164344" y="3154731"/>
-            <a:ext cx="4107180" cy="3539430"/>
+            <a:ext cx="4107180" cy="3785652"/>
           </a:xfrm>
           <a:prstGeom prst="rect">
             <a:avLst/>
@@ -5918,13 +5979,21 @@
           <a:p>
             <a:pPr lvl="2"/>
             <a:r>
+              <a:rPr lang="en-US" altLang="zh-CN" sz="1600" dirty="0"/>
+              <a:t>Date:</a:t>
+            </a:r>
+          </a:p>
+          <a:p>
+            <a:pPr lvl="2"/>
+            <a:endParaRPr lang="en-US" altLang="zh-CN" sz="1600" dirty="0"/>
+          </a:p>
+          <a:p>
+            <a:pPr lvl="2"/>
+            <a:r>
               <a:rPr lang="en-US" altLang="zh-CN" sz="1600" dirty="0" err="1"/>
-              <a:t>userPic:UUID</a:t>
-            </a:r>
-            <a:r>
-              <a:rPr lang="en-US" altLang="zh-CN" sz="1600" dirty="0"/>
-              <a:t> </a:t>
-            </a:r>
+              <a:t>userPic:url</a:t>
+            </a:r>
+            <a:endParaRPr lang="en-US" altLang="zh-CN" sz="1600" dirty="0"/>
           </a:p>
           <a:p>
             <a:pPr lvl="2"/>
@@ -5976,20 +6045,21 @@
                 <a:latin typeface="宋体" panose="02010600030101010101" pitchFamily="2" charset="-122"/>
                 <a:ea typeface="宋体" panose="02010600030101010101" pitchFamily="2" charset="-122"/>
               </a:rPr>
-              <a:t>赞 评论都不要了</a:t>
-            </a:r>
-            <a:endParaRPr lang="en-US" altLang="zh-CN" sz="1600" dirty="0">
-              <a:latin typeface="宋体" panose="02010600030101010101" pitchFamily="2" charset="-122"/>
-              <a:ea typeface="宋体" panose="02010600030101010101" pitchFamily="2" charset="-122"/>
-            </a:endParaRPr>
-          </a:p>
-          <a:p>
+              <a:t>不需要详细</a:t>
+            </a:r>
+            <a:r>
+              <a:rPr lang="zh-CN" altLang="en-US" sz="1600">
+                <a:latin typeface="宋体" panose="02010600030101010101" pitchFamily="2" charset="-122"/>
+                <a:ea typeface="宋体" panose="02010600030101010101" pitchFamily="2" charset="-122"/>
+              </a:rPr>
+              <a:t>页面 需要缩略</a:t>
+            </a:r>
             <a:r>
               <a:rPr lang="zh-CN" altLang="en-US" sz="1600" dirty="0">
                 <a:latin typeface="宋体" panose="02010600030101010101" pitchFamily="2" charset="-122"/>
                 <a:ea typeface="宋体" panose="02010600030101010101" pitchFamily="2" charset="-122"/>
               </a:rPr>
-              <a:t>不需要详细页面 缩略图</a:t>
+              <a:t>图</a:t>
             </a:r>
             <a:endParaRPr lang="en-US" altLang="zh-CN" dirty="0">
               <a:latin typeface="宋体" panose="02010600030101010101" pitchFamily="2" charset="-122"/>
@@ -6578,11 +6648,7 @@
             <a:pPr lvl="2"/>
             <a:r>
               <a:rPr lang="en-US" altLang="zh-CN" dirty="0" err="1"/>
-              <a:t>profile_picture</a:t>
-            </a:r>
-            <a:r>
-              <a:rPr lang="en-US" altLang="zh-CN" dirty="0"/>
-              <a:t> </a:t>
+              <a:t>Profile_pic</a:t>
             </a:r>
             <a:r>
               <a:rPr lang="zh-CN" altLang="en-US" dirty="0"/>
